--- a/Research Process-part-2.pptx
+++ b/Research Process-part-2.pptx
@@ -11,10 +11,14 @@
     <p:sldId id="258" r:id="rId5"/>
     <p:sldId id="261" r:id="rId6"/>
     <p:sldId id="262" r:id="rId7"/>
-    <p:sldId id="259" r:id="rId8"/>
-    <p:sldId id="263" r:id="rId9"/>
-    <p:sldId id="264" r:id="rId10"/>
-    <p:sldId id="265" r:id="rId11"/>
+    <p:sldId id="269" r:id="rId8"/>
+    <p:sldId id="259" r:id="rId9"/>
+    <p:sldId id="263" r:id="rId10"/>
+    <p:sldId id="264" r:id="rId11"/>
+    <p:sldId id="265" r:id="rId12"/>
+    <p:sldId id="266" r:id="rId13"/>
+    <p:sldId id="267" r:id="rId14"/>
+    <p:sldId id="268" r:id="rId15"/>
   </p:sldIdLst>
   <p:sldSz cx="12192000" cy="6858000"/>
   <p:notesSz cx="6858000" cy="9144000"/>
@@ -113,7 +117,16 @@
       </a:defRPr>
     </a:lvl9pPr>
   </p:defaultTextStyle>
+  <p:extLst>
+    <p:ext uri="{EFAFB233-063F-42B5-8137-9DF3F51BA10A}">
+      <p15:sldGuideLst xmlns:p15="http://schemas.microsoft.com/office/powerpoint/2012/main"/>
+    </p:ext>
+  </p:extLst>
 </p:presentation>
+</file>
+
+<file path=ppt/revisionInfo.xml><?xml version="1.0" encoding="utf-8"?>
+<p1510:revInfo xmlns:a="http://schemas.openxmlformats.org/drawingml/2006/main" xmlns:r="http://schemas.openxmlformats.org/officeDocument/2006/relationships" xmlns:p1510="http://schemas.microsoft.com/office/powerpoint/2015/10/main"/>
 </file>
 
 <file path=ppt/slideLayouts/slideLayout1.xml><?xml version="1.0" encoding="utf-8"?>
@@ -3447,6 +3460,439 @@
           <p:cNvPr id="2" name="Title 1">
             <a:extLst>
               <a:ext uri="{FF2B5EF4-FFF2-40B4-BE49-F238E27FC236}">
+                <a16:creationId xmlns:a16="http://schemas.microsoft.com/office/drawing/2014/main" id="{F469A162-1957-48B2-A18A-EFCC8D1D0053}"/>
+              </a:ext>
+            </a:extLst>
+          </p:cNvPr>
+          <p:cNvSpPr>
+            <a:spLocks noGrp="1"/>
+          </p:cNvSpPr>
+          <p:nvPr>
+            <p:ph type="title"/>
+          </p:nvPr>
+        </p:nvSpPr>
+        <p:spPr/>
+        <p:txBody>
+          <a:bodyPr/>
+          <a:lstStyle/>
+          <a:p>
+            <a:r>
+              <a:rPr lang="en-IN" dirty="0"/>
+              <a:t>Desirable Characteristics of Hypotheses</a:t>
+            </a:r>
+          </a:p>
+        </p:txBody>
+      </p:sp>
+      <p:sp>
+        <p:nvSpPr>
+          <p:cNvPr id="3" name="Content Placeholder 2">
+            <a:extLst>
+              <a:ext uri="{FF2B5EF4-FFF2-40B4-BE49-F238E27FC236}">
+                <a16:creationId xmlns:a16="http://schemas.microsoft.com/office/drawing/2014/main" id="{B24041F4-5D17-4F25-AE99-66CBA3D8FF6F}"/>
+              </a:ext>
+            </a:extLst>
+          </p:cNvPr>
+          <p:cNvSpPr>
+            <a:spLocks noGrp="1"/>
+          </p:cNvSpPr>
+          <p:nvPr>
+            <p:ph idx="1"/>
+          </p:nvPr>
+        </p:nvSpPr>
+        <p:spPr/>
+        <p:txBody>
+          <a:bodyPr/>
+          <a:lstStyle/>
+          <a:p>
+            <a:pPr marL="514350" indent="-514350">
+              <a:buFont typeface="+mj-lt"/>
+              <a:buAutoNum type="arabicPeriod"/>
+            </a:pPr>
+            <a:r>
+              <a:rPr lang="en-IN" dirty="0"/>
+              <a:t>Generalizability, or universality - </a:t>
+            </a:r>
+            <a:r>
+              <a:rPr lang="en-US" sz="2000" i="1" dirty="0"/>
+              <a:t>hold up true in more than one situation</a:t>
+            </a:r>
+            <a:endParaRPr lang="en-IN" sz="2000" i="1" dirty="0"/>
+          </a:p>
+          <a:p>
+            <a:pPr marL="514350" indent="-514350">
+              <a:buFont typeface="+mj-lt"/>
+              <a:buAutoNum type="arabicPeriod"/>
+            </a:pPr>
+            <a:r>
+              <a:rPr lang="en-IN" dirty="0"/>
+              <a:t>Compatibility with existing knowledge – </a:t>
+            </a:r>
+            <a:r>
+              <a:rPr lang="en-IN" sz="2000" i="1" dirty="0"/>
+              <a:t>based on earlier studies</a:t>
+            </a:r>
+          </a:p>
+          <a:p>
+            <a:pPr marL="514350" indent="-514350">
+              <a:buFont typeface="+mj-lt"/>
+              <a:buAutoNum type="arabicPeriod"/>
+            </a:pPr>
+            <a:r>
+              <a:rPr lang="en-IN" dirty="0"/>
+              <a:t>Testability – </a:t>
+            </a:r>
+            <a:r>
+              <a:rPr lang="en-IN" sz="2000" i="1" dirty="0"/>
+              <a:t>empirically testable</a:t>
+            </a:r>
+          </a:p>
+          <a:p>
+            <a:pPr marL="514350" indent="-514350">
+              <a:buFont typeface="+mj-lt"/>
+              <a:buAutoNum type="arabicPeriod"/>
+            </a:pPr>
+            <a:r>
+              <a:rPr lang="en-IN" dirty="0"/>
+              <a:t>Invariability – </a:t>
+            </a:r>
+            <a:r>
+              <a:rPr lang="en-IN" sz="2000" i="1" dirty="0"/>
+              <a:t>over time</a:t>
+            </a:r>
+          </a:p>
+          <a:p>
+            <a:pPr marL="514350" indent="-514350">
+              <a:buFont typeface="+mj-lt"/>
+              <a:buAutoNum type="arabicPeriod"/>
+            </a:pPr>
+            <a:r>
+              <a:rPr lang="en-IN" dirty="0"/>
+              <a:t>Causality or correlation- </a:t>
+            </a:r>
+            <a:r>
+              <a:rPr lang="en-US" sz="2000" i="1" dirty="0"/>
+              <a:t>states a relationship that is causal in </a:t>
+            </a:r>
+            <a:r>
+              <a:rPr lang="en-IN" sz="2000" i="1" dirty="0"/>
+              <a:t>nature or correlational</a:t>
+            </a:r>
+          </a:p>
+        </p:txBody>
+      </p:sp>
+    </p:spTree>
+    <p:extLst>
+      <p:ext uri="{BB962C8B-B14F-4D97-AF65-F5344CB8AC3E}">
+        <p14:creationId xmlns:p14="http://schemas.microsoft.com/office/powerpoint/2010/main" val="3088918172"/>
+      </p:ext>
+    </p:extLst>
+  </p:cSld>
+  <p:clrMapOvr>
+    <a:masterClrMapping/>
+  </p:clrMapOvr>
+  <p:timing>
+    <p:tnLst>
+      <p:par>
+        <p:cTn id="1" dur="indefinite" restart="never" nodeType="tmRoot">
+          <p:childTnLst>
+            <p:seq concurrent="1" nextAc="seek">
+              <p:cTn id="2" dur="indefinite" nodeType="mainSeq">
+                <p:childTnLst>
+                  <p:par>
+                    <p:cTn id="3" fill="hold">
+                      <p:stCondLst>
+                        <p:cond delay="indefinite"/>
+                      </p:stCondLst>
+                      <p:childTnLst>
+                        <p:par>
+                          <p:cTn id="4" fill="hold">
+                            <p:stCondLst>
+                              <p:cond delay="0"/>
+                            </p:stCondLst>
+                            <p:childTnLst>
+                              <p:par>
+                                <p:cTn id="5" presetID="1" presetClass="entr" presetSubtype="0" fill="hold" grpId="0" nodeType="clickEffect">
+                                  <p:stCondLst>
+                                    <p:cond delay="0"/>
+                                  </p:stCondLst>
+                                  <p:childTnLst>
+                                    <p:set>
+                                      <p:cBhvr>
+                                        <p:cTn id="6" dur="1" fill="hold">
+                                          <p:stCondLst>
+                                            <p:cond delay="0"/>
+                                          </p:stCondLst>
+                                        </p:cTn>
+                                        <p:tgtEl>
+                                          <p:spTgt spid="3">
+                                            <p:txEl>
+                                              <p:pRg st="0" end="0"/>
+                                            </p:txEl>
+                                          </p:spTgt>
+                                        </p:tgtEl>
+                                        <p:attrNameLst>
+                                          <p:attrName>style.visibility</p:attrName>
+                                        </p:attrNameLst>
+                                      </p:cBhvr>
+                                      <p:to>
+                                        <p:strVal val="visible"/>
+                                      </p:to>
+                                    </p:set>
+                                  </p:childTnLst>
+                                </p:cTn>
+                              </p:par>
+                            </p:childTnLst>
+                          </p:cTn>
+                        </p:par>
+                      </p:childTnLst>
+                    </p:cTn>
+                  </p:par>
+                  <p:par>
+                    <p:cTn id="7" fill="hold">
+                      <p:stCondLst>
+                        <p:cond delay="indefinite"/>
+                      </p:stCondLst>
+                      <p:childTnLst>
+                        <p:par>
+                          <p:cTn id="8" fill="hold">
+                            <p:stCondLst>
+                              <p:cond delay="0"/>
+                            </p:stCondLst>
+                            <p:childTnLst>
+                              <p:par>
+                                <p:cTn id="9" presetID="1" presetClass="entr" presetSubtype="0" fill="hold" grpId="0" nodeType="clickEffect">
+                                  <p:stCondLst>
+                                    <p:cond delay="0"/>
+                                  </p:stCondLst>
+                                  <p:childTnLst>
+                                    <p:set>
+                                      <p:cBhvr>
+                                        <p:cTn id="10" dur="1" fill="hold">
+                                          <p:stCondLst>
+                                            <p:cond delay="0"/>
+                                          </p:stCondLst>
+                                        </p:cTn>
+                                        <p:tgtEl>
+                                          <p:spTgt spid="3">
+                                            <p:txEl>
+                                              <p:pRg st="1" end="1"/>
+                                            </p:txEl>
+                                          </p:spTgt>
+                                        </p:tgtEl>
+                                        <p:attrNameLst>
+                                          <p:attrName>style.visibility</p:attrName>
+                                        </p:attrNameLst>
+                                      </p:cBhvr>
+                                      <p:to>
+                                        <p:strVal val="visible"/>
+                                      </p:to>
+                                    </p:set>
+                                  </p:childTnLst>
+                                </p:cTn>
+                              </p:par>
+                            </p:childTnLst>
+                          </p:cTn>
+                        </p:par>
+                      </p:childTnLst>
+                    </p:cTn>
+                  </p:par>
+                  <p:par>
+                    <p:cTn id="11" fill="hold">
+                      <p:stCondLst>
+                        <p:cond delay="indefinite"/>
+                      </p:stCondLst>
+                      <p:childTnLst>
+                        <p:par>
+                          <p:cTn id="12" fill="hold">
+                            <p:stCondLst>
+                              <p:cond delay="0"/>
+                            </p:stCondLst>
+                            <p:childTnLst>
+                              <p:par>
+                                <p:cTn id="13" presetID="1" presetClass="entr" presetSubtype="0" fill="hold" grpId="0" nodeType="clickEffect">
+                                  <p:stCondLst>
+                                    <p:cond delay="0"/>
+                                  </p:stCondLst>
+                                  <p:childTnLst>
+                                    <p:set>
+                                      <p:cBhvr>
+                                        <p:cTn id="14" dur="1" fill="hold">
+                                          <p:stCondLst>
+                                            <p:cond delay="0"/>
+                                          </p:stCondLst>
+                                        </p:cTn>
+                                        <p:tgtEl>
+                                          <p:spTgt spid="3">
+                                            <p:txEl>
+                                              <p:pRg st="2" end="2"/>
+                                            </p:txEl>
+                                          </p:spTgt>
+                                        </p:tgtEl>
+                                        <p:attrNameLst>
+                                          <p:attrName>style.visibility</p:attrName>
+                                        </p:attrNameLst>
+                                      </p:cBhvr>
+                                      <p:to>
+                                        <p:strVal val="visible"/>
+                                      </p:to>
+                                    </p:set>
+                                  </p:childTnLst>
+                                </p:cTn>
+                              </p:par>
+                            </p:childTnLst>
+                          </p:cTn>
+                        </p:par>
+                      </p:childTnLst>
+                    </p:cTn>
+                  </p:par>
+                  <p:par>
+                    <p:cTn id="15" fill="hold">
+                      <p:stCondLst>
+                        <p:cond delay="indefinite"/>
+                      </p:stCondLst>
+                      <p:childTnLst>
+                        <p:par>
+                          <p:cTn id="16" fill="hold">
+                            <p:stCondLst>
+                              <p:cond delay="0"/>
+                            </p:stCondLst>
+                            <p:childTnLst>
+                              <p:par>
+                                <p:cTn id="17" presetID="1" presetClass="entr" presetSubtype="0" fill="hold" grpId="0" nodeType="clickEffect">
+                                  <p:stCondLst>
+                                    <p:cond delay="0"/>
+                                  </p:stCondLst>
+                                  <p:childTnLst>
+                                    <p:set>
+                                      <p:cBhvr>
+                                        <p:cTn id="18" dur="1" fill="hold">
+                                          <p:stCondLst>
+                                            <p:cond delay="0"/>
+                                          </p:stCondLst>
+                                        </p:cTn>
+                                        <p:tgtEl>
+                                          <p:spTgt spid="3">
+                                            <p:txEl>
+                                              <p:pRg st="3" end="3"/>
+                                            </p:txEl>
+                                          </p:spTgt>
+                                        </p:tgtEl>
+                                        <p:attrNameLst>
+                                          <p:attrName>style.visibility</p:attrName>
+                                        </p:attrNameLst>
+                                      </p:cBhvr>
+                                      <p:to>
+                                        <p:strVal val="visible"/>
+                                      </p:to>
+                                    </p:set>
+                                  </p:childTnLst>
+                                </p:cTn>
+                              </p:par>
+                            </p:childTnLst>
+                          </p:cTn>
+                        </p:par>
+                      </p:childTnLst>
+                    </p:cTn>
+                  </p:par>
+                  <p:par>
+                    <p:cTn id="19" fill="hold">
+                      <p:stCondLst>
+                        <p:cond delay="indefinite"/>
+                      </p:stCondLst>
+                      <p:childTnLst>
+                        <p:par>
+                          <p:cTn id="20" fill="hold">
+                            <p:stCondLst>
+                              <p:cond delay="0"/>
+                            </p:stCondLst>
+                            <p:childTnLst>
+                              <p:par>
+                                <p:cTn id="21" presetID="1" presetClass="entr" presetSubtype="0" fill="hold" grpId="0" nodeType="clickEffect">
+                                  <p:stCondLst>
+                                    <p:cond delay="0"/>
+                                  </p:stCondLst>
+                                  <p:childTnLst>
+                                    <p:set>
+                                      <p:cBhvr>
+                                        <p:cTn id="22" dur="1" fill="hold">
+                                          <p:stCondLst>
+                                            <p:cond delay="0"/>
+                                          </p:stCondLst>
+                                        </p:cTn>
+                                        <p:tgtEl>
+                                          <p:spTgt spid="3">
+                                            <p:txEl>
+                                              <p:pRg st="4" end="4"/>
+                                            </p:txEl>
+                                          </p:spTgt>
+                                        </p:tgtEl>
+                                        <p:attrNameLst>
+                                          <p:attrName>style.visibility</p:attrName>
+                                        </p:attrNameLst>
+                                      </p:cBhvr>
+                                      <p:to>
+                                        <p:strVal val="visible"/>
+                                      </p:to>
+                                    </p:set>
+                                  </p:childTnLst>
+                                </p:cTn>
+                              </p:par>
+                            </p:childTnLst>
+                          </p:cTn>
+                        </p:par>
+                      </p:childTnLst>
+                    </p:cTn>
+                  </p:par>
+                </p:childTnLst>
+              </p:cTn>
+              <p:prevCondLst>
+                <p:cond evt="onPrev" delay="0">
+                  <p:tgtEl>
+                    <p:sldTgt/>
+                  </p:tgtEl>
+                </p:cond>
+              </p:prevCondLst>
+              <p:nextCondLst>
+                <p:cond evt="onNext" delay="0">
+                  <p:tgtEl>
+                    <p:sldTgt/>
+                  </p:tgtEl>
+                </p:cond>
+              </p:nextCondLst>
+            </p:seq>
+          </p:childTnLst>
+        </p:cTn>
+      </p:par>
+    </p:tnLst>
+    <p:bldLst>
+      <p:bldP spid="3" grpId="0" build="p"/>
+    </p:bldLst>
+  </p:timing>
+</p:sld>
+</file>
+
+<file path=ppt/slides/slide11.xml><?xml version="1.0" encoding="utf-8"?>
+<p:sld xmlns:a="http://schemas.openxmlformats.org/drawingml/2006/main" xmlns:r="http://schemas.openxmlformats.org/officeDocument/2006/relationships" xmlns:p="http://schemas.openxmlformats.org/presentationml/2006/main">
+  <p:cSld>
+    <p:spTree>
+      <p:nvGrpSpPr>
+        <p:cNvPr id="1" name=""/>
+        <p:cNvGrpSpPr/>
+        <p:nvPr/>
+      </p:nvGrpSpPr>
+      <p:grpSpPr>
+        <a:xfrm>
+          <a:off x="0" y="0"/>
+          <a:ext cx="0" cy="0"/>
+          <a:chOff x="0" y="0"/>
+          <a:chExt cx="0" cy="0"/>
+        </a:xfrm>
+      </p:grpSpPr>
+      <p:sp>
+        <p:nvSpPr>
+          <p:cNvPr id="2" name="Title 1">
+            <a:extLst>
+              <a:ext uri="{FF2B5EF4-FFF2-40B4-BE49-F238E27FC236}">
                 <a16:creationId xmlns:a16="http://schemas.microsoft.com/office/drawing/2014/main" id="{A7EFCAA5-F58E-4F65-9C8C-224C5496E92C}"/>
               </a:ext>
             </a:extLst>
@@ -3590,6 +4036,402 @@
     <p:extLst>
       <p:ext uri="{BB962C8B-B14F-4D97-AF65-F5344CB8AC3E}">
         <p14:creationId xmlns:p14="http://schemas.microsoft.com/office/powerpoint/2010/main" val="1066446687"/>
+      </p:ext>
+    </p:extLst>
+  </p:cSld>
+  <p:clrMapOvr>
+    <a:masterClrMapping/>
+  </p:clrMapOvr>
+</p:sld>
+</file>
+
+<file path=ppt/slides/slide12.xml><?xml version="1.0" encoding="utf-8"?>
+<p:sld xmlns:a="http://schemas.openxmlformats.org/drawingml/2006/main" xmlns:r="http://schemas.openxmlformats.org/officeDocument/2006/relationships" xmlns:p="http://schemas.openxmlformats.org/presentationml/2006/main">
+  <p:cSld>
+    <p:spTree>
+      <p:nvGrpSpPr>
+        <p:cNvPr id="1" name=""/>
+        <p:cNvGrpSpPr/>
+        <p:nvPr/>
+      </p:nvGrpSpPr>
+      <p:grpSpPr>
+        <a:xfrm>
+          <a:off x="0" y="0"/>
+          <a:ext cx="0" cy="0"/>
+          <a:chOff x="0" y="0"/>
+          <a:chExt cx="0" cy="0"/>
+        </a:xfrm>
+      </p:grpSpPr>
+      <p:sp>
+        <p:nvSpPr>
+          <p:cNvPr id="2" name="Title 1">
+            <a:extLst>
+              <a:ext uri="{FF2B5EF4-FFF2-40B4-BE49-F238E27FC236}">
+                <a16:creationId xmlns:a16="http://schemas.microsoft.com/office/drawing/2014/main" id="{8A9F26E0-4810-41E8-9DFE-42C529F12DC7}"/>
+              </a:ext>
+            </a:extLst>
+          </p:cNvPr>
+          <p:cNvSpPr>
+            <a:spLocks noGrp="1"/>
+          </p:cNvSpPr>
+          <p:nvPr>
+            <p:ph type="title"/>
+          </p:nvPr>
+        </p:nvSpPr>
+        <p:spPr/>
+        <p:txBody>
+          <a:bodyPr/>
+          <a:lstStyle/>
+          <a:p>
+            <a:r>
+              <a:rPr lang="en-IN" dirty="0"/>
+              <a:t>Activity</a:t>
+            </a:r>
+          </a:p>
+        </p:txBody>
+      </p:sp>
+      <p:sp>
+        <p:nvSpPr>
+          <p:cNvPr id="3" name="Content Placeholder 2">
+            <a:extLst>
+              <a:ext uri="{FF2B5EF4-FFF2-40B4-BE49-F238E27FC236}">
+                <a16:creationId xmlns:a16="http://schemas.microsoft.com/office/drawing/2014/main" id="{35C2A36B-2D3D-4B59-921F-5A2D0800680F}"/>
+              </a:ext>
+            </a:extLst>
+          </p:cNvPr>
+          <p:cNvSpPr>
+            <a:spLocks noGrp="1"/>
+          </p:cNvSpPr>
+          <p:nvPr>
+            <p:ph idx="1"/>
+          </p:nvPr>
+        </p:nvSpPr>
+        <p:spPr>
+          <a:xfrm>
+            <a:off x="838200" y="1825624"/>
+            <a:ext cx="10515600" cy="4930177"/>
+          </a:xfrm>
+        </p:spPr>
+        <p:txBody>
+          <a:bodyPr>
+            <a:normAutofit fontScale="77500" lnSpcReduction="20000"/>
+          </a:bodyPr>
+          <a:lstStyle/>
+          <a:p>
+            <a:r>
+              <a:rPr lang="en-US" dirty="0"/>
+              <a:t>A study of the relationship of role conﬂict, the need for role clarity, and job satisfaction for professional librarians.</a:t>
+            </a:r>
+          </a:p>
+          <a:p>
+            <a:r>
+              <a:rPr lang="en-US" dirty="0"/>
+              <a:t>Library design inﬂuences on user behavior and satisfaction.</a:t>
+            </a:r>
+          </a:p>
+          <a:p>
+            <a:r>
+              <a:rPr lang="en-US" dirty="0"/>
+              <a:t>An investigation of the relationships between quantiﬁable reference service variables and reference performance in public libraries.</a:t>
+            </a:r>
+          </a:p>
+          <a:p>
+            <a:r>
+              <a:rPr lang="en-US" dirty="0"/>
+              <a:t>The impact of differing orientations of librarians on the process of children’s book selection: a case study of library tensions.</a:t>
+            </a:r>
+          </a:p>
+          <a:p>
+            <a:r>
+              <a:rPr lang="en-US" dirty="0"/>
+              <a:t>Book selection and book collection usage in academic libraries.</a:t>
+            </a:r>
+          </a:p>
+          <a:p>
+            <a:r>
+              <a:rPr lang="en-US" dirty="0"/>
+              <a:t>The effect of prime display location on public library circulation of </a:t>
+            </a:r>
+            <a:r>
+              <a:rPr lang="en-IN" dirty="0"/>
+              <a:t>selected adult titles.</a:t>
+            </a:r>
+          </a:p>
+          <a:p>
+            <a:r>
+              <a:rPr lang="en-US" dirty="0"/>
+              <a:t>Implications of title diversity and collection overlap for interlibrary loan </a:t>
+            </a:r>
+            <a:r>
+              <a:rPr lang="en-IN" dirty="0"/>
+              <a:t>among secondary schools.</a:t>
+            </a:r>
+          </a:p>
+          <a:p>
+            <a:r>
+              <a:rPr lang="en-US" dirty="0"/>
+              <a:t>The attitudes of adults toward the public library and their relationships </a:t>
+            </a:r>
+            <a:r>
+              <a:rPr lang="en-IN" dirty="0"/>
+              <a:t>to library use.</a:t>
+            </a:r>
+          </a:p>
+          <a:p>
+            <a:r>
+              <a:rPr lang="en-US" dirty="0"/>
+              <a:t>Early libraries in Louisiana: a study of the Creole inﬂuence.</a:t>
+            </a:r>
+          </a:p>
+          <a:p>
+            <a:r>
+              <a:rPr lang="en-US" dirty="0"/>
+              <a:t>The Great Depression: its impact on 46 large American public libraries; an inquiry based on a content analysis of published writings of their </a:t>
+            </a:r>
+            <a:r>
+              <a:rPr lang="en-IN" dirty="0"/>
+              <a:t>directors.</a:t>
+            </a:r>
+          </a:p>
+        </p:txBody>
+      </p:sp>
+    </p:spTree>
+    <p:extLst>
+      <p:ext uri="{BB962C8B-B14F-4D97-AF65-F5344CB8AC3E}">
+        <p14:creationId xmlns:p14="http://schemas.microsoft.com/office/powerpoint/2010/main" val="2638741290"/>
+      </p:ext>
+    </p:extLst>
+  </p:cSld>
+  <p:clrMapOvr>
+    <a:masterClrMapping/>
+  </p:clrMapOvr>
+</p:sld>
+</file>
+
+<file path=ppt/slides/slide13.xml><?xml version="1.0" encoding="utf-8"?>
+<p:sld xmlns:a="http://schemas.openxmlformats.org/drawingml/2006/main" xmlns:r="http://schemas.openxmlformats.org/officeDocument/2006/relationships" xmlns:p="http://schemas.openxmlformats.org/presentationml/2006/main">
+  <p:cSld>
+    <p:spTree>
+      <p:nvGrpSpPr>
+        <p:cNvPr id="1" name=""/>
+        <p:cNvGrpSpPr/>
+        <p:nvPr/>
+      </p:nvGrpSpPr>
+      <p:grpSpPr>
+        <a:xfrm>
+          <a:off x="0" y="0"/>
+          <a:ext cx="0" cy="0"/>
+          <a:chOff x="0" y="0"/>
+          <a:chExt cx="0" cy="0"/>
+        </a:xfrm>
+      </p:grpSpPr>
+      <p:sp>
+        <p:nvSpPr>
+          <p:cNvPr id="2" name="Title 1">
+            <a:extLst>
+              <a:ext uri="{FF2B5EF4-FFF2-40B4-BE49-F238E27FC236}">
+                <a16:creationId xmlns:a16="http://schemas.microsoft.com/office/drawing/2014/main" id="{AB13AA51-27FD-45D6-83BA-0E97DC126AC1}"/>
+              </a:ext>
+            </a:extLst>
+          </p:cNvPr>
+          <p:cNvSpPr>
+            <a:spLocks noGrp="1"/>
+          </p:cNvSpPr>
+          <p:nvPr>
+            <p:ph type="title"/>
+          </p:nvPr>
+        </p:nvSpPr>
+        <p:spPr/>
+        <p:txBody>
+          <a:bodyPr/>
+          <a:lstStyle/>
+          <a:p>
+            <a:endParaRPr lang="en-IN"/>
+          </a:p>
+        </p:txBody>
+      </p:sp>
+      <p:sp>
+        <p:nvSpPr>
+          <p:cNvPr id="3" name="Content Placeholder 2">
+            <a:extLst>
+              <a:ext uri="{FF2B5EF4-FFF2-40B4-BE49-F238E27FC236}">
+                <a16:creationId xmlns:a16="http://schemas.microsoft.com/office/drawing/2014/main" id="{953C3461-253E-43EF-80DA-267299419A0F}"/>
+              </a:ext>
+            </a:extLst>
+          </p:cNvPr>
+          <p:cNvSpPr>
+            <a:spLocks noGrp="1"/>
+          </p:cNvSpPr>
+          <p:nvPr>
+            <p:ph idx="1"/>
+          </p:nvPr>
+        </p:nvSpPr>
+        <p:spPr>
+          <a:xfrm>
+            <a:off x="838200" y="634701"/>
+            <a:ext cx="10515600" cy="5884433"/>
+          </a:xfrm>
+        </p:spPr>
+        <p:txBody>
+          <a:bodyPr>
+            <a:normAutofit fontScale="77500" lnSpcReduction="20000"/>
+          </a:bodyPr>
+          <a:lstStyle/>
+          <a:p>
+            <a:r>
+              <a:rPr lang="en-US" dirty="0"/>
+              <a:t>Title number 1: independent variable—role conﬂict, dependent variables—need for role clarity and job satisfaction; </a:t>
+            </a:r>
+          </a:p>
+          <a:p>
+            <a:r>
+              <a:rPr lang="en-US" dirty="0"/>
+              <a:t>title number 2: independent variable— library design, dependent variables—user behavior and satisfaction; </a:t>
+            </a:r>
+          </a:p>
+          <a:p>
+            <a:r>
+              <a:rPr lang="en-US" dirty="0"/>
+              <a:t>Title </a:t>
+            </a:r>
+            <a:r>
+              <a:rPr lang="en-IN" dirty="0"/>
+              <a:t>number 3: independent variable—quantiﬁable reference service variables, </a:t>
+            </a:r>
+            <a:r>
+              <a:rPr lang="en-US" dirty="0"/>
+              <a:t>dependent variable—reference performance; </a:t>
+            </a:r>
+          </a:p>
+          <a:p>
+            <a:r>
+              <a:rPr lang="en-US" dirty="0"/>
+              <a:t>title number 4: independent variable—differing orientations of librarians, dependent variable—process of children’s book selection; </a:t>
+            </a:r>
+          </a:p>
+          <a:p>
+            <a:r>
+              <a:rPr lang="en-US" dirty="0"/>
+              <a:t>title number 5: independent variable—book selection, dependent variable—book collection usage; title number 6: independent</a:t>
+            </a:r>
+          </a:p>
+          <a:p>
+            <a:r>
+              <a:rPr lang="en-US" dirty="0"/>
+              <a:t>variable—prime display location, dependent variable—circulation of selected adult titles, </a:t>
+            </a:r>
+          </a:p>
+          <a:p>
+            <a:r>
+              <a:rPr lang="en-US" dirty="0"/>
+              <a:t>title number 7: independent variables—title diversity and collection overlap, dependent variable—interlibrary loan among secondary schools; </a:t>
+            </a:r>
+          </a:p>
+          <a:p>
+            <a:r>
+              <a:rPr lang="en-US" dirty="0"/>
+              <a:t>Title number 8: independent variable—attitudes of adults toward the public library, dependent variable—library use; title number 9: independent variable—Creole inﬂuence, dependent variable—early libraries in Louisiana; </a:t>
+            </a:r>
+          </a:p>
+          <a:p>
+            <a:r>
+              <a:rPr lang="en-US" dirty="0"/>
+              <a:t>title number 10: independent variable—Great Depression, dependent variable—large American </a:t>
+            </a:r>
+            <a:r>
+              <a:rPr lang="en-IN" dirty="0"/>
+              <a:t>public libraries.</a:t>
+            </a:r>
+          </a:p>
+        </p:txBody>
+      </p:sp>
+    </p:spTree>
+    <p:extLst>
+      <p:ext uri="{BB962C8B-B14F-4D97-AF65-F5344CB8AC3E}">
+        <p14:creationId xmlns:p14="http://schemas.microsoft.com/office/powerpoint/2010/main" val="2670758331"/>
+      </p:ext>
+    </p:extLst>
+  </p:cSld>
+  <p:clrMapOvr>
+    <a:masterClrMapping/>
+  </p:clrMapOvr>
+</p:sld>
+</file>
+
+<file path=ppt/slides/slide14.xml><?xml version="1.0" encoding="utf-8"?>
+<p:sld xmlns:a="http://schemas.openxmlformats.org/drawingml/2006/main" xmlns:r="http://schemas.openxmlformats.org/officeDocument/2006/relationships" xmlns:p="http://schemas.openxmlformats.org/presentationml/2006/main">
+  <p:cSld>
+    <p:spTree>
+      <p:nvGrpSpPr>
+        <p:cNvPr id="1" name=""/>
+        <p:cNvGrpSpPr/>
+        <p:nvPr/>
+      </p:nvGrpSpPr>
+      <p:grpSpPr>
+        <a:xfrm>
+          <a:off x="0" y="0"/>
+          <a:ext cx="0" cy="0"/>
+          <a:chOff x="0" y="0"/>
+          <a:chExt cx="0" cy="0"/>
+        </a:xfrm>
+      </p:grpSpPr>
+      <p:sp>
+        <p:nvSpPr>
+          <p:cNvPr id="2" name="Title 1">
+            <a:extLst>
+              <a:ext uri="{FF2B5EF4-FFF2-40B4-BE49-F238E27FC236}">
+                <a16:creationId xmlns:a16="http://schemas.microsoft.com/office/drawing/2014/main" id="{A8D553DD-ACE0-4C14-B884-F29BB78F53FE}"/>
+              </a:ext>
+            </a:extLst>
+          </p:cNvPr>
+          <p:cNvSpPr>
+            <a:spLocks noGrp="1"/>
+          </p:cNvSpPr>
+          <p:nvPr>
+            <p:ph type="title"/>
+          </p:nvPr>
+        </p:nvSpPr>
+        <p:spPr/>
+        <p:txBody>
+          <a:bodyPr/>
+          <a:lstStyle/>
+          <a:p>
+            <a:r>
+              <a:rPr lang="en-IN" dirty="0"/>
+              <a:t>Concepts</a:t>
+            </a:r>
+          </a:p>
+        </p:txBody>
+      </p:sp>
+      <p:sp>
+        <p:nvSpPr>
+          <p:cNvPr id="3" name="Content Placeholder 2">
+            <a:extLst>
+              <a:ext uri="{FF2B5EF4-FFF2-40B4-BE49-F238E27FC236}">
+                <a16:creationId xmlns:a16="http://schemas.microsoft.com/office/drawing/2014/main" id="{BBD26442-3A25-4BC1-A098-30535A15B927}"/>
+              </a:ext>
+            </a:extLst>
+          </p:cNvPr>
+          <p:cNvSpPr>
+            <a:spLocks noGrp="1"/>
+          </p:cNvSpPr>
+          <p:nvPr>
+            <p:ph idx="1"/>
+          </p:nvPr>
+        </p:nvSpPr>
+        <p:spPr/>
+        <p:txBody>
+          <a:bodyPr/>
+          <a:lstStyle/>
+          <a:p>
+            <a:endParaRPr lang="en-IN"/>
+          </a:p>
+        </p:txBody>
+      </p:sp>
+    </p:spTree>
+    <p:extLst>
+      <p:ext uri="{BB962C8B-B14F-4D97-AF65-F5344CB8AC3E}">
+        <p14:creationId xmlns:p14="http://schemas.microsoft.com/office/powerpoint/2010/main" val="3507903741"/>
       </p:ext>
     </p:extLst>
   </p:cSld>
@@ -4414,95 +5256,52 @@
         </p:spPr>
         <p:txBody>
           <a:bodyPr>
-            <a:normAutofit/>
+            <a:noAutofit/>
           </a:bodyPr>
           <a:lstStyle/>
           <a:p>
             <a:r>
+              <a:rPr lang="en-US" sz="2400" dirty="0"/>
+              <a:t>Working or research hypothesis—the hypothesis with which a research study begins. It should help to delimit and guide the study.</a:t>
+            </a:r>
+          </a:p>
+          <a:p>
+            <a:r>
+              <a:rPr lang="en-US" sz="2400" dirty="0"/>
+              <a:t>Final hypothesis—the hypothesis that reflects the findings of the research study. It often is synonymous with the study’s final conclusion. </a:t>
+            </a:r>
+          </a:p>
+          <a:p>
+            <a:r>
+              <a:rPr lang="en-US" sz="2400" dirty="0"/>
+              <a:t>Particular hypothesis—a hypothesis which merely explains a specific fact or situation; for example, “not all college students are skilled library users.” </a:t>
+            </a:r>
+          </a:p>
+          <a:p>
+            <a:r>
+              <a:rPr lang="en-US" sz="2400" dirty="0"/>
+              <a:t>Causal hypothesis—a hypothesis which states that there is a causal relationship between two or more variables (i.e., that a particular factor or condition determines or affects another factor or condition). </a:t>
+            </a:r>
+          </a:p>
+          <a:p>
+            <a:r>
+              <a:rPr lang="en-US" sz="2400" dirty="0"/>
+              <a:t>Statistical Hypothesis: </a:t>
+            </a:r>
+          </a:p>
+          <a:p>
+            <a:pPr lvl="1"/>
+            <a:r>
               <a:rPr lang="en-US" sz="1200" dirty="0"/>
-              <a:t>Working or research hypothesis—the hypothesis with which a research study begins. It should help to delimit and guide the study.</a:t>
-            </a:r>
-          </a:p>
-          <a:p>
+              <a:t>Null hypothesis—asserts that there is no real relationship between or among the variables in question. It involves the supposition that chance, rather than an identifiable cause, has produced some observed result. It is used primarily for purposes of statistical testing. </a:t>
+            </a:r>
+          </a:p>
+          <a:p>
+            <a:pPr lvl="1"/>
             <a:r>
               <a:rPr lang="en-US" sz="1200" dirty="0"/>
-              <a:t>Final hypothesis—the hypothesis that reflects the findings of the research study. It often is synonymous with the study’s final conclusion. </a:t>
-            </a:r>
-          </a:p>
-          <a:p>
-            <a:r>
-              <a:rPr lang="en-US" sz="1200" dirty="0"/>
-              <a:t>Particular hypothesis—a hypothesis which merely explains a specific fact or situation; for example, “not all college students are skilled library users.” </a:t>
-            </a:r>
-          </a:p>
-          <a:p>
-            <a:r>
-              <a:rPr lang="en-US" sz="1200" dirty="0"/>
-              <a:t>Causal hypothesis—a hypothesis which states that there is a causal relationship between two or more variables (i.e., that a particular factor or condition determines or affects another factor or condition). </a:t>
-            </a:r>
-          </a:p>
-          <a:p>
-            <a:r>
-              <a:rPr lang="en-US" sz="1200" dirty="0"/>
-              <a:t>Statistical Hypothesis: </a:t>
-            </a:r>
-          </a:p>
-          <a:p>
-            <a:pPr lvl="1"/>
-            <a:r>
-              <a:rPr lang="en-US" sz="800" dirty="0"/>
-              <a:t>Null hypothesis—asserts that there is no real relationship between or among the variables in question. It involves the supposition that chance, rather than an identifiable cause, has produced some observed result. It is used primarily for purposes of statistical testing. </a:t>
-            </a:r>
-          </a:p>
-          <a:p>
-            <a:pPr lvl="1"/>
-            <a:r>
-              <a:rPr lang="en-US" sz="800" dirty="0"/>
               <a:t>Alternative hypothesis—provides another possible and plausible solution to the problem (i.e., a different explanation of the same facts).</a:t>
             </a:r>
-          </a:p>
-          <a:p>
-            <a:r>
-              <a:rPr lang="en-US" sz="1200" dirty="0"/>
-              <a:t>Inductive hypothesis—a hypothesis which moves from the particular to the general, or a generalization based on observation. </a:t>
-            </a:r>
-          </a:p>
-          <a:p>
-            <a:r>
-              <a:rPr lang="en-US" sz="1200" dirty="0"/>
-              <a:t>Deductive hypothesis—a hypothesis which shifts from the general to the particular, or a hypothesis derived from a theory. </a:t>
-            </a:r>
-          </a:p>
-          <a:p>
-            <a:r>
-              <a:rPr lang="en-US" sz="1200" dirty="0"/>
-              <a:t>Nondirectional hypothesis—a hypothesis which merely indicates that a relationship or difference exists. It says nothing about the nature or direction of the relationship. For example, one might hypothesize that a student’s grade point average and use of libraries are related without going so far as to argue that either factor causes the other. </a:t>
-            </a:r>
-          </a:p>
-          <a:p>
-            <a:r>
-              <a:rPr lang="en-US" sz="1200" dirty="0"/>
-              <a:t>Directional hypothesis—a hypothesis which indicates the nature of the relationship between or among variables. For example, it could logically be hypothesized that the assignment of term papers results in more library use by certain students. </a:t>
-            </a:r>
-          </a:p>
-          <a:p>
-            <a:r>
-              <a:rPr lang="en-US" sz="1200" dirty="0"/>
-              <a:t>Multivariate hypothesis—a hypothesis proposing a relationship among more than two phenomena or variables. </a:t>
-            </a:r>
-          </a:p>
-          <a:p>
-            <a:r>
-              <a:rPr lang="en-US" sz="1200" dirty="0"/>
-              <a:t>Bivariate hypothesis—a hypothesis proposing a relationship between two phenomena or variables. </a:t>
-            </a:r>
-          </a:p>
-          <a:p>
-            <a:r>
-              <a:rPr lang="en-US" sz="1200" dirty="0"/>
-              <a:t>Univariate hypothesis—a hypothesis concerned with only one phenomenon or variable. In that no relationship is involved, one could argue that this kind of statement does not meet the minimal criteria for a hypothesis. It might better be termed a research question.</a:t>
-            </a:r>
-            <a:endParaRPr lang="en-IN" sz="1200" dirty="0"/>
           </a:p>
         </p:txBody>
       </p:sp>
@@ -4831,6 +5630,463 @@
                       </p:childTnLst>
                     </p:cTn>
                   </p:par>
+                </p:childTnLst>
+              </p:cTn>
+              <p:prevCondLst>
+                <p:cond evt="onPrev" delay="0">
+                  <p:tgtEl>
+                    <p:sldTgt/>
+                  </p:tgtEl>
+                </p:cond>
+              </p:prevCondLst>
+              <p:nextCondLst>
+                <p:cond evt="onNext" delay="0">
+                  <p:tgtEl>
+                    <p:sldTgt/>
+                  </p:tgtEl>
+                </p:cond>
+              </p:nextCondLst>
+            </p:seq>
+          </p:childTnLst>
+        </p:cTn>
+      </p:par>
+    </p:tnLst>
+    <p:bldLst>
+      <p:bldP spid="3" grpId="0" build="p"/>
+    </p:bldLst>
+  </p:timing>
+</p:sld>
+</file>
+
+<file path=ppt/slides/slide7.xml><?xml version="1.0" encoding="utf-8"?>
+<p:sld xmlns:a="http://schemas.openxmlformats.org/drawingml/2006/main" xmlns:r="http://schemas.openxmlformats.org/officeDocument/2006/relationships" xmlns:p="http://schemas.openxmlformats.org/presentationml/2006/main">
+  <p:cSld>
+    <p:spTree>
+      <p:nvGrpSpPr>
+        <p:cNvPr id="1" name=""/>
+        <p:cNvGrpSpPr/>
+        <p:nvPr/>
+      </p:nvGrpSpPr>
+      <p:grpSpPr>
+        <a:xfrm>
+          <a:off x="0" y="0"/>
+          <a:ext cx="0" cy="0"/>
+          <a:chOff x="0" y="0"/>
+          <a:chExt cx="0" cy="0"/>
+        </a:xfrm>
+      </p:grpSpPr>
+      <p:sp>
+        <p:nvSpPr>
+          <p:cNvPr id="2" name="Title 1">
+            <a:extLst>
+              <a:ext uri="{FF2B5EF4-FFF2-40B4-BE49-F238E27FC236}">
+                <a16:creationId xmlns:a16="http://schemas.microsoft.com/office/drawing/2014/main" id="{0C9F9864-0BF0-4896-816C-AC357065955A}"/>
+              </a:ext>
+            </a:extLst>
+          </p:cNvPr>
+          <p:cNvSpPr>
+            <a:spLocks noGrp="1"/>
+          </p:cNvSpPr>
+          <p:nvPr>
+            <p:ph type="title"/>
+          </p:nvPr>
+        </p:nvSpPr>
+        <p:spPr/>
+        <p:txBody>
+          <a:bodyPr/>
+          <a:lstStyle/>
+          <a:p>
+            <a:r>
+              <a:rPr lang="en-IN" dirty="0"/>
+              <a:t>Types of hypotheses</a:t>
+            </a:r>
+          </a:p>
+        </p:txBody>
+      </p:sp>
+      <p:sp>
+        <p:nvSpPr>
+          <p:cNvPr id="3" name="Content Placeholder 2">
+            <a:extLst>
+              <a:ext uri="{FF2B5EF4-FFF2-40B4-BE49-F238E27FC236}">
+                <a16:creationId xmlns:a16="http://schemas.microsoft.com/office/drawing/2014/main" id="{6BBE4EB9-5FCF-4B08-87A2-F4B6E95131C1}"/>
+              </a:ext>
+            </a:extLst>
+          </p:cNvPr>
+          <p:cNvSpPr>
+            <a:spLocks noGrp="1"/>
+          </p:cNvSpPr>
+          <p:nvPr>
+            <p:ph idx="1"/>
+          </p:nvPr>
+        </p:nvSpPr>
+        <p:spPr>
+          <a:xfrm>
+            <a:off x="838200" y="1473798"/>
+            <a:ext cx="10515600" cy="5195943"/>
+          </a:xfrm>
+        </p:spPr>
+        <p:txBody>
+          <a:bodyPr>
+            <a:noAutofit/>
+          </a:bodyPr>
+          <a:lstStyle/>
+          <a:p>
+            <a:r>
+              <a:rPr lang="en-US" sz="1800" dirty="0"/>
+              <a:t>Inductive hypothesis—a hypothesis which moves from the particular to the general, or a generalization based on observation. </a:t>
+            </a:r>
+          </a:p>
+          <a:p>
+            <a:r>
+              <a:rPr lang="en-US" sz="1800" dirty="0"/>
+              <a:t>Deductive hypothesis—a hypothesis which shifts from the general to the particular, or a hypothesis derived from a theory. </a:t>
+            </a:r>
+          </a:p>
+          <a:p>
+            <a:r>
+              <a:rPr lang="en-US" sz="1800" dirty="0"/>
+              <a:t>Nondirectional hypothesis—a hypothesis which merely indicates that a relationship or difference exists. It says nothing about the nature or direction of the relationship. For example, one might hypothesize that a student’s grade point average and use of libraries are related without going so far as to argue that either factor causes the other. </a:t>
+            </a:r>
+          </a:p>
+          <a:p>
+            <a:r>
+              <a:rPr lang="en-US" sz="1800" dirty="0"/>
+              <a:t>Directional hypothesis—a hypothesis which indicates the nature of the relationship between or among variables. For example, it could logically be hypothesized that the assignment of term papers results in more library use by certain students. </a:t>
+            </a:r>
+          </a:p>
+          <a:p>
+            <a:r>
+              <a:rPr lang="en-US" sz="1800" dirty="0"/>
+              <a:t>Multivariate hypothesis—a hypothesis proposing a relationship among more than two phenomena or variables. </a:t>
+            </a:r>
+          </a:p>
+          <a:p>
+            <a:r>
+              <a:rPr lang="en-US" sz="1800" dirty="0"/>
+              <a:t>Bivariate hypothesis—a hypothesis proposing a relationship between two phenomena or variables. </a:t>
+            </a:r>
+          </a:p>
+          <a:p>
+            <a:r>
+              <a:rPr lang="en-US" sz="1800" dirty="0"/>
+              <a:t>Univariate hypothesis—a hypothesis concerned with only one phenomenon or variable. In that no relationship is involved, one could argue that this kind of statement does not meet the minimal criteria for a hypothesis. It might better be termed a research question.</a:t>
+            </a:r>
+            <a:endParaRPr lang="en-IN" sz="1800" dirty="0"/>
+          </a:p>
+        </p:txBody>
+      </p:sp>
+    </p:spTree>
+    <p:extLst>
+      <p:ext uri="{BB962C8B-B14F-4D97-AF65-F5344CB8AC3E}">
+        <p14:creationId xmlns:p14="http://schemas.microsoft.com/office/powerpoint/2010/main" val="3213083125"/>
+      </p:ext>
+    </p:extLst>
+  </p:cSld>
+  <p:clrMapOvr>
+    <a:masterClrMapping/>
+  </p:clrMapOvr>
+  <p:timing>
+    <p:tnLst>
+      <p:par>
+        <p:cTn id="1" dur="indefinite" restart="never" nodeType="tmRoot">
+          <p:childTnLst>
+            <p:seq concurrent="1" nextAc="seek">
+              <p:cTn id="2" dur="indefinite" nodeType="mainSeq">
+                <p:childTnLst>
+                  <p:par>
+                    <p:cTn id="3" fill="hold">
+                      <p:stCondLst>
+                        <p:cond delay="indefinite"/>
+                      </p:stCondLst>
+                      <p:childTnLst>
+                        <p:par>
+                          <p:cTn id="4" fill="hold">
+                            <p:stCondLst>
+                              <p:cond delay="0"/>
+                            </p:stCondLst>
+                            <p:childTnLst>
+                              <p:par>
+                                <p:cTn id="5" presetID="1" presetClass="entr" presetSubtype="0" fill="hold" grpId="0" nodeType="clickEffect">
+                                  <p:stCondLst>
+                                    <p:cond delay="0"/>
+                                  </p:stCondLst>
+                                  <p:childTnLst>
+                                    <p:set>
+                                      <p:cBhvr>
+                                        <p:cTn id="6" dur="1" fill="hold">
+                                          <p:stCondLst>
+                                            <p:cond delay="0"/>
+                                          </p:stCondLst>
+                                        </p:cTn>
+                                        <p:tgtEl>
+                                          <p:spTgt spid="3">
+                                            <p:txEl>
+                                              <p:pRg st="0" end="0"/>
+                                            </p:txEl>
+                                          </p:spTgt>
+                                        </p:tgtEl>
+                                        <p:attrNameLst>
+                                          <p:attrName>style.visibility</p:attrName>
+                                        </p:attrNameLst>
+                                      </p:cBhvr>
+                                      <p:to>
+                                        <p:strVal val="visible"/>
+                                      </p:to>
+                                    </p:set>
+                                  </p:childTnLst>
+                                </p:cTn>
+                              </p:par>
+                            </p:childTnLst>
+                          </p:cTn>
+                        </p:par>
+                      </p:childTnLst>
+                    </p:cTn>
+                  </p:par>
+                  <p:par>
+                    <p:cTn id="7" fill="hold">
+                      <p:stCondLst>
+                        <p:cond delay="indefinite"/>
+                      </p:stCondLst>
+                      <p:childTnLst>
+                        <p:par>
+                          <p:cTn id="8" fill="hold">
+                            <p:stCondLst>
+                              <p:cond delay="0"/>
+                            </p:stCondLst>
+                            <p:childTnLst>
+                              <p:par>
+                                <p:cTn id="9" presetID="1" presetClass="entr" presetSubtype="0" fill="hold" grpId="0" nodeType="clickEffect">
+                                  <p:stCondLst>
+                                    <p:cond delay="0"/>
+                                  </p:stCondLst>
+                                  <p:childTnLst>
+                                    <p:set>
+                                      <p:cBhvr>
+                                        <p:cTn id="10" dur="1" fill="hold">
+                                          <p:stCondLst>
+                                            <p:cond delay="0"/>
+                                          </p:stCondLst>
+                                        </p:cTn>
+                                        <p:tgtEl>
+                                          <p:spTgt spid="3">
+                                            <p:txEl>
+                                              <p:pRg st="1" end="1"/>
+                                            </p:txEl>
+                                          </p:spTgt>
+                                        </p:tgtEl>
+                                        <p:attrNameLst>
+                                          <p:attrName>style.visibility</p:attrName>
+                                        </p:attrNameLst>
+                                      </p:cBhvr>
+                                      <p:to>
+                                        <p:strVal val="visible"/>
+                                      </p:to>
+                                    </p:set>
+                                  </p:childTnLst>
+                                </p:cTn>
+                              </p:par>
+                            </p:childTnLst>
+                          </p:cTn>
+                        </p:par>
+                      </p:childTnLst>
+                    </p:cTn>
+                  </p:par>
+                  <p:par>
+                    <p:cTn id="11" fill="hold">
+                      <p:stCondLst>
+                        <p:cond delay="indefinite"/>
+                      </p:stCondLst>
+                      <p:childTnLst>
+                        <p:par>
+                          <p:cTn id="12" fill="hold">
+                            <p:stCondLst>
+                              <p:cond delay="0"/>
+                            </p:stCondLst>
+                            <p:childTnLst>
+                              <p:par>
+                                <p:cTn id="13" presetID="1" presetClass="entr" presetSubtype="0" fill="hold" grpId="0" nodeType="clickEffect">
+                                  <p:stCondLst>
+                                    <p:cond delay="0"/>
+                                  </p:stCondLst>
+                                  <p:childTnLst>
+                                    <p:set>
+                                      <p:cBhvr>
+                                        <p:cTn id="14" dur="1" fill="hold">
+                                          <p:stCondLst>
+                                            <p:cond delay="0"/>
+                                          </p:stCondLst>
+                                        </p:cTn>
+                                        <p:tgtEl>
+                                          <p:spTgt spid="3">
+                                            <p:txEl>
+                                              <p:pRg st="2" end="2"/>
+                                            </p:txEl>
+                                          </p:spTgt>
+                                        </p:tgtEl>
+                                        <p:attrNameLst>
+                                          <p:attrName>style.visibility</p:attrName>
+                                        </p:attrNameLst>
+                                      </p:cBhvr>
+                                      <p:to>
+                                        <p:strVal val="visible"/>
+                                      </p:to>
+                                    </p:set>
+                                  </p:childTnLst>
+                                </p:cTn>
+                              </p:par>
+                            </p:childTnLst>
+                          </p:cTn>
+                        </p:par>
+                      </p:childTnLst>
+                    </p:cTn>
+                  </p:par>
+                  <p:par>
+                    <p:cTn id="15" fill="hold">
+                      <p:stCondLst>
+                        <p:cond delay="indefinite"/>
+                      </p:stCondLst>
+                      <p:childTnLst>
+                        <p:par>
+                          <p:cTn id="16" fill="hold">
+                            <p:stCondLst>
+                              <p:cond delay="0"/>
+                            </p:stCondLst>
+                            <p:childTnLst>
+                              <p:par>
+                                <p:cTn id="17" presetID="1" presetClass="entr" presetSubtype="0" fill="hold" grpId="0" nodeType="clickEffect">
+                                  <p:stCondLst>
+                                    <p:cond delay="0"/>
+                                  </p:stCondLst>
+                                  <p:childTnLst>
+                                    <p:set>
+                                      <p:cBhvr>
+                                        <p:cTn id="18" dur="1" fill="hold">
+                                          <p:stCondLst>
+                                            <p:cond delay="0"/>
+                                          </p:stCondLst>
+                                        </p:cTn>
+                                        <p:tgtEl>
+                                          <p:spTgt spid="3">
+                                            <p:txEl>
+                                              <p:pRg st="3" end="3"/>
+                                            </p:txEl>
+                                          </p:spTgt>
+                                        </p:tgtEl>
+                                        <p:attrNameLst>
+                                          <p:attrName>style.visibility</p:attrName>
+                                        </p:attrNameLst>
+                                      </p:cBhvr>
+                                      <p:to>
+                                        <p:strVal val="visible"/>
+                                      </p:to>
+                                    </p:set>
+                                  </p:childTnLst>
+                                </p:cTn>
+                              </p:par>
+                            </p:childTnLst>
+                          </p:cTn>
+                        </p:par>
+                      </p:childTnLst>
+                    </p:cTn>
+                  </p:par>
+                  <p:par>
+                    <p:cTn id="19" fill="hold">
+                      <p:stCondLst>
+                        <p:cond delay="indefinite"/>
+                      </p:stCondLst>
+                      <p:childTnLst>
+                        <p:par>
+                          <p:cTn id="20" fill="hold">
+                            <p:stCondLst>
+                              <p:cond delay="0"/>
+                            </p:stCondLst>
+                            <p:childTnLst>
+                              <p:par>
+                                <p:cTn id="21" presetID="1" presetClass="entr" presetSubtype="0" fill="hold" grpId="0" nodeType="clickEffect">
+                                  <p:stCondLst>
+                                    <p:cond delay="0"/>
+                                  </p:stCondLst>
+                                  <p:childTnLst>
+                                    <p:set>
+                                      <p:cBhvr>
+                                        <p:cTn id="22" dur="1" fill="hold">
+                                          <p:stCondLst>
+                                            <p:cond delay="0"/>
+                                          </p:stCondLst>
+                                        </p:cTn>
+                                        <p:tgtEl>
+                                          <p:spTgt spid="3">
+                                            <p:txEl>
+                                              <p:pRg st="4" end="4"/>
+                                            </p:txEl>
+                                          </p:spTgt>
+                                        </p:tgtEl>
+                                        <p:attrNameLst>
+                                          <p:attrName>style.visibility</p:attrName>
+                                        </p:attrNameLst>
+                                      </p:cBhvr>
+                                      <p:to>
+                                        <p:strVal val="visible"/>
+                                      </p:to>
+                                    </p:set>
+                                  </p:childTnLst>
+                                </p:cTn>
+                              </p:par>
+                            </p:childTnLst>
+                          </p:cTn>
+                        </p:par>
+                      </p:childTnLst>
+                    </p:cTn>
+                  </p:par>
+                  <p:par>
+                    <p:cTn id="23" fill="hold">
+                      <p:stCondLst>
+                        <p:cond delay="indefinite"/>
+                      </p:stCondLst>
+                      <p:childTnLst>
+                        <p:par>
+                          <p:cTn id="24" fill="hold">
+                            <p:stCondLst>
+                              <p:cond delay="0"/>
+                            </p:stCondLst>
+                            <p:childTnLst>
+                              <p:par>
+                                <p:cTn id="25" presetID="1" presetClass="entr" presetSubtype="0" fill="hold" grpId="0" nodeType="clickEffect">
+                                  <p:stCondLst>
+                                    <p:cond delay="0"/>
+                                  </p:stCondLst>
+                                  <p:childTnLst>
+                                    <p:set>
+                                      <p:cBhvr>
+                                        <p:cTn id="26" dur="1" fill="hold">
+                                          <p:stCondLst>
+                                            <p:cond delay="0"/>
+                                          </p:stCondLst>
+                                        </p:cTn>
+                                        <p:tgtEl>
+                                          <p:spTgt spid="3">
+                                            <p:txEl>
+                                              <p:pRg st="5" end="5"/>
+                                            </p:txEl>
+                                          </p:spTgt>
+                                        </p:tgtEl>
+                                        <p:attrNameLst>
+                                          <p:attrName>style.visibility</p:attrName>
+                                        </p:attrNameLst>
+                                      </p:cBhvr>
+                                      <p:to>
+                                        <p:strVal val="visible"/>
+                                      </p:to>
+                                    </p:set>
+                                  </p:childTnLst>
+                                </p:cTn>
+                              </p:par>
+                            </p:childTnLst>
+                          </p:cTn>
+                        </p:par>
+                      </p:childTnLst>
+                    </p:cTn>
+                  </p:par>
                   <p:par>
                     <p:cTn id="27" fill="hold">
                       <p:stCondLst>
@@ -4859,301 +6115,7 @@
                                         <p:tgtEl>
                                           <p:spTgt spid="3">
                                             <p:txEl>
-                                              <p:pRg st="7" end="7"/>
-                                            </p:txEl>
-                                          </p:spTgt>
-                                        </p:tgtEl>
-                                        <p:attrNameLst>
-                                          <p:attrName>style.visibility</p:attrName>
-                                        </p:attrNameLst>
-                                      </p:cBhvr>
-                                      <p:to>
-                                        <p:strVal val="visible"/>
-                                      </p:to>
-                                    </p:set>
-                                  </p:childTnLst>
-                                </p:cTn>
-                              </p:par>
-                            </p:childTnLst>
-                          </p:cTn>
-                        </p:par>
-                      </p:childTnLst>
-                    </p:cTn>
-                  </p:par>
-                  <p:par>
-                    <p:cTn id="31" fill="hold">
-                      <p:stCondLst>
-                        <p:cond delay="indefinite"/>
-                      </p:stCondLst>
-                      <p:childTnLst>
-                        <p:par>
-                          <p:cTn id="32" fill="hold">
-                            <p:stCondLst>
-                              <p:cond delay="0"/>
-                            </p:stCondLst>
-                            <p:childTnLst>
-                              <p:par>
-                                <p:cTn id="33" presetID="1" presetClass="entr" presetSubtype="0" fill="hold" grpId="0" nodeType="clickEffect">
-                                  <p:stCondLst>
-                                    <p:cond delay="0"/>
-                                  </p:stCondLst>
-                                  <p:childTnLst>
-                                    <p:set>
-                                      <p:cBhvr>
-                                        <p:cTn id="34" dur="1" fill="hold">
-                                          <p:stCondLst>
-                                            <p:cond delay="0"/>
-                                          </p:stCondLst>
-                                        </p:cTn>
-                                        <p:tgtEl>
-                                          <p:spTgt spid="3">
-                                            <p:txEl>
-                                              <p:pRg st="8" end="8"/>
-                                            </p:txEl>
-                                          </p:spTgt>
-                                        </p:tgtEl>
-                                        <p:attrNameLst>
-                                          <p:attrName>style.visibility</p:attrName>
-                                        </p:attrNameLst>
-                                      </p:cBhvr>
-                                      <p:to>
-                                        <p:strVal val="visible"/>
-                                      </p:to>
-                                    </p:set>
-                                  </p:childTnLst>
-                                </p:cTn>
-                              </p:par>
-                            </p:childTnLst>
-                          </p:cTn>
-                        </p:par>
-                      </p:childTnLst>
-                    </p:cTn>
-                  </p:par>
-                  <p:par>
-                    <p:cTn id="35" fill="hold">
-                      <p:stCondLst>
-                        <p:cond delay="indefinite"/>
-                      </p:stCondLst>
-                      <p:childTnLst>
-                        <p:par>
-                          <p:cTn id="36" fill="hold">
-                            <p:stCondLst>
-                              <p:cond delay="0"/>
-                            </p:stCondLst>
-                            <p:childTnLst>
-                              <p:par>
-                                <p:cTn id="37" presetID="1" presetClass="entr" presetSubtype="0" fill="hold" grpId="0" nodeType="clickEffect">
-                                  <p:stCondLst>
-                                    <p:cond delay="0"/>
-                                  </p:stCondLst>
-                                  <p:childTnLst>
-                                    <p:set>
-                                      <p:cBhvr>
-                                        <p:cTn id="38" dur="1" fill="hold">
-                                          <p:stCondLst>
-                                            <p:cond delay="0"/>
-                                          </p:stCondLst>
-                                        </p:cTn>
-                                        <p:tgtEl>
-                                          <p:spTgt spid="3">
-                                            <p:txEl>
-                                              <p:pRg st="9" end="9"/>
-                                            </p:txEl>
-                                          </p:spTgt>
-                                        </p:tgtEl>
-                                        <p:attrNameLst>
-                                          <p:attrName>style.visibility</p:attrName>
-                                        </p:attrNameLst>
-                                      </p:cBhvr>
-                                      <p:to>
-                                        <p:strVal val="visible"/>
-                                      </p:to>
-                                    </p:set>
-                                  </p:childTnLst>
-                                </p:cTn>
-                              </p:par>
-                            </p:childTnLst>
-                          </p:cTn>
-                        </p:par>
-                      </p:childTnLst>
-                    </p:cTn>
-                  </p:par>
-                  <p:par>
-                    <p:cTn id="39" fill="hold">
-                      <p:stCondLst>
-                        <p:cond delay="indefinite"/>
-                      </p:stCondLst>
-                      <p:childTnLst>
-                        <p:par>
-                          <p:cTn id="40" fill="hold">
-                            <p:stCondLst>
-                              <p:cond delay="0"/>
-                            </p:stCondLst>
-                            <p:childTnLst>
-                              <p:par>
-                                <p:cTn id="41" presetID="1" presetClass="entr" presetSubtype="0" fill="hold" grpId="0" nodeType="clickEffect">
-                                  <p:stCondLst>
-                                    <p:cond delay="0"/>
-                                  </p:stCondLst>
-                                  <p:childTnLst>
-                                    <p:set>
-                                      <p:cBhvr>
-                                        <p:cTn id="42" dur="1" fill="hold">
-                                          <p:stCondLst>
-                                            <p:cond delay="0"/>
-                                          </p:stCondLst>
-                                        </p:cTn>
-                                        <p:tgtEl>
-                                          <p:spTgt spid="3">
-                                            <p:txEl>
-                                              <p:pRg st="10" end="10"/>
-                                            </p:txEl>
-                                          </p:spTgt>
-                                        </p:tgtEl>
-                                        <p:attrNameLst>
-                                          <p:attrName>style.visibility</p:attrName>
-                                        </p:attrNameLst>
-                                      </p:cBhvr>
-                                      <p:to>
-                                        <p:strVal val="visible"/>
-                                      </p:to>
-                                    </p:set>
-                                  </p:childTnLst>
-                                </p:cTn>
-                              </p:par>
-                            </p:childTnLst>
-                          </p:cTn>
-                        </p:par>
-                      </p:childTnLst>
-                    </p:cTn>
-                  </p:par>
-                  <p:par>
-                    <p:cTn id="43" fill="hold">
-                      <p:stCondLst>
-                        <p:cond delay="indefinite"/>
-                      </p:stCondLst>
-                      <p:childTnLst>
-                        <p:par>
-                          <p:cTn id="44" fill="hold">
-                            <p:stCondLst>
-                              <p:cond delay="0"/>
-                            </p:stCondLst>
-                            <p:childTnLst>
-                              <p:par>
-                                <p:cTn id="45" presetID="1" presetClass="entr" presetSubtype="0" fill="hold" grpId="0" nodeType="clickEffect">
-                                  <p:stCondLst>
-                                    <p:cond delay="0"/>
-                                  </p:stCondLst>
-                                  <p:childTnLst>
-                                    <p:set>
-                                      <p:cBhvr>
-                                        <p:cTn id="46" dur="1" fill="hold">
-                                          <p:stCondLst>
-                                            <p:cond delay="0"/>
-                                          </p:stCondLst>
-                                        </p:cTn>
-                                        <p:tgtEl>
-                                          <p:spTgt spid="3">
-                                            <p:txEl>
-                                              <p:pRg st="11" end="11"/>
-                                            </p:txEl>
-                                          </p:spTgt>
-                                        </p:tgtEl>
-                                        <p:attrNameLst>
-                                          <p:attrName>style.visibility</p:attrName>
-                                        </p:attrNameLst>
-                                      </p:cBhvr>
-                                      <p:to>
-                                        <p:strVal val="visible"/>
-                                      </p:to>
-                                    </p:set>
-                                  </p:childTnLst>
-                                </p:cTn>
-                              </p:par>
-                            </p:childTnLst>
-                          </p:cTn>
-                        </p:par>
-                      </p:childTnLst>
-                    </p:cTn>
-                  </p:par>
-                  <p:par>
-                    <p:cTn id="47" fill="hold">
-                      <p:stCondLst>
-                        <p:cond delay="indefinite"/>
-                      </p:stCondLst>
-                      <p:childTnLst>
-                        <p:par>
-                          <p:cTn id="48" fill="hold">
-                            <p:stCondLst>
-                              <p:cond delay="0"/>
-                            </p:stCondLst>
-                            <p:childTnLst>
-                              <p:par>
-                                <p:cTn id="49" presetID="1" presetClass="entr" presetSubtype="0" fill="hold" grpId="0" nodeType="clickEffect">
-                                  <p:stCondLst>
-                                    <p:cond delay="0"/>
-                                  </p:stCondLst>
-                                  <p:childTnLst>
-                                    <p:set>
-                                      <p:cBhvr>
-                                        <p:cTn id="50" dur="1" fill="hold">
-                                          <p:stCondLst>
-                                            <p:cond delay="0"/>
-                                          </p:stCondLst>
-                                        </p:cTn>
-                                        <p:tgtEl>
-                                          <p:spTgt spid="3">
-                                            <p:txEl>
-                                              <p:pRg st="12" end="12"/>
-                                            </p:txEl>
-                                          </p:spTgt>
-                                        </p:tgtEl>
-                                        <p:attrNameLst>
-                                          <p:attrName>style.visibility</p:attrName>
-                                        </p:attrNameLst>
-                                      </p:cBhvr>
-                                      <p:to>
-                                        <p:strVal val="visible"/>
-                                      </p:to>
-                                    </p:set>
-                                  </p:childTnLst>
-                                </p:cTn>
-                              </p:par>
-                            </p:childTnLst>
-                          </p:cTn>
-                        </p:par>
-                      </p:childTnLst>
-                    </p:cTn>
-                  </p:par>
-                  <p:par>
-                    <p:cTn id="51" fill="hold">
-                      <p:stCondLst>
-                        <p:cond delay="indefinite"/>
-                      </p:stCondLst>
-                      <p:childTnLst>
-                        <p:par>
-                          <p:cTn id="52" fill="hold">
-                            <p:stCondLst>
-                              <p:cond delay="0"/>
-                            </p:stCondLst>
-                            <p:childTnLst>
-                              <p:par>
-                                <p:cTn id="53" presetID="1" presetClass="entr" presetSubtype="0" fill="hold" grpId="0" nodeType="clickEffect">
-                                  <p:stCondLst>
-                                    <p:cond delay="0"/>
-                                  </p:stCondLst>
-                                  <p:childTnLst>
-                                    <p:set>
-                                      <p:cBhvr>
-                                        <p:cTn id="54" dur="1" fill="hold">
-                                          <p:stCondLst>
-                                            <p:cond delay="0"/>
-                                          </p:stCondLst>
-                                        </p:cTn>
-                                        <p:tgtEl>
-                                          <p:spTgt spid="3">
-                                            <p:txEl>
-                                              <p:pRg st="13" end="13"/>
+                                              <p:pRg st="6" end="6"/>
                                             </p:txEl>
                                           </p:spTgt>
                                         </p:tgtEl>
@@ -5202,7 +6164,7 @@
 </p:sld>
 </file>
 
-<file path=ppt/slides/slide7.xml><?xml version="1.0" encoding="utf-8"?>
+<file path=ppt/slides/slide8.xml><?xml version="1.0" encoding="utf-8"?>
 <p:sld xmlns:a="http://schemas.openxmlformats.org/drawingml/2006/main" xmlns:r="http://schemas.openxmlformats.org/officeDocument/2006/relationships" xmlns:p="http://schemas.openxmlformats.org/presentationml/2006/main">
   <p:cSld>
     <p:spTree>
@@ -5541,7 +6503,7 @@
 </p:sld>
 </file>
 
-<file path=ppt/slides/slide8.xml><?xml version="1.0" encoding="utf-8"?>
+<file path=ppt/slides/slide9.xml><?xml version="1.0" encoding="utf-8"?>
 <p:sld xmlns:a="http://schemas.openxmlformats.org/drawingml/2006/main" xmlns:r="http://schemas.openxmlformats.org/officeDocument/2006/relationships" xmlns:p="http://schemas.openxmlformats.org/presentationml/2006/main">
   <p:cSld>
     <p:spTree>
@@ -6069,439 +7031,6 @@
 </p:sld>
 </file>
 
-<file path=ppt/slides/slide9.xml><?xml version="1.0" encoding="utf-8"?>
-<p:sld xmlns:a="http://schemas.openxmlformats.org/drawingml/2006/main" xmlns:r="http://schemas.openxmlformats.org/officeDocument/2006/relationships" xmlns:p="http://schemas.openxmlformats.org/presentationml/2006/main">
-  <p:cSld>
-    <p:spTree>
-      <p:nvGrpSpPr>
-        <p:cNvPr id="1" name=""/>
-        <p:cNvGrpSpPr/>
-        <p:nvPr/>
-      </p:nvGrpSpPr>
-      <p:grpSpPr>
-        <a:xfrm>
-          <a:off x="0" y="0"/>
-          <a:ext cx="0" cy="0"/>
-          <a:chOff x="0" y="0"/>
-          <a:chExt cx="0" cy="0"/>
-        </a:xfrm>
-      </p:grpSpPr>
-      <p:sp>
-        <p:nvSpPr>
-          <p:cNvPr id="2" name="Title 1">
-            <a:extLst>
-              <a:ext uri="{FF2B5EF4-FFF2-40B4-BE49-F238E27FC236}">
-                <a16:creationId xmlns:a16="http://schemas.microsoft.com/office/drawing/2014/main" id="{F469A162-1957-48B2-A18A-EFCC8D1D0053}"/>
-              </a:ext>
-            </a:extLst>
-          </p:cNvPr>
-          <p:cNvSpPr>
-            <a:spLocks noGrp="1"/>
-          </p:cNvSpPr>
-          <p:nvPr>
-            <p:ph type="title"/>
-          </p:nvPr>
-        </p:nvSpPr>
-        <p:spPr/>
-        <p:txBody>
-          <a:bodyPr/>
-          <a:lstStyle/>
-          <a:p>
-            <a:r>
-              <a:rPr lang="en-IN" dirty="0"/>
-              <a:t>Desirable Characteristics of Hypotheses</a:t>
-            </a:r>
-          </a:p>
-        </p:txBody>
-      </p:sp>
-      <p:sp>
-        <p:nvSpPr>
-          <p:cNvPr id="3" name="Content Placeholder 2">
-            <a:extLst>
-              <a:ext uri="{FF2B5EF4-FFF2-40B4-BE49-F238E27FC236}">
-                <a16:creationId xmlns:a16="http://schemas.microsoft.com/office/drawing/2014/main" id="{B24041F4-5D17-4F25-AE99-66CBA3D8FF6F}"/>
-              </a:ext>
-            </a:extLst>
-          </p:cNvPr>
-          <p:cNvSpPr>
-            <a:spLocks noGrp="1"/>
-          </p:cNvSpPr>
-          <p:nvPr>
-            <p:ph idx="1"/>
-          </p:nvPr>
-        </p:nvSpPr>
-        <p:spPr/>
-        <p:txBody>
-          <a:bodyPr/>
-          <a:lstStyle/>
-          <a:p>
-            <a:pPr marL="514350" indent="-514350">
-              <a:buFont typeface="+mj-lt"/>
-              <a:buAutoNum type="arabicPeriod"/>
-            </a:pPr>
-            <a:r>
-              <a:rPr lang="en-IN" dirty="0"/>
-              <a:t>Generalizability, or universality - </a:t>
-            </a:r>
-            <a:r>
-              <a:rPr lang="en-US" sz="2000" i="1" dirty="0"/>
-              <a:t>hold up true in more than one situation</a:t>
-            </a:r>
-            <a:endParaRPr lang="en-IN" sz="2000" i="1" dirty="0"/>
-          </a:p>
-          <a:p>
-            <a:pPr marL="514350" indent="-514350">
-              <a:buFont typeface="+mj-lt"/>
-              <a:buAutoNum type="arabicPeriod"/>
-            </a:pPr>
-            <a:r>
-              <a:rPr lang="en-IN" dirty="0"/>
-              <a:t>Compatibility with existing knowledge – </a:t>
-            </a:r>
-            <a:r>
-              <a:rPr lang="en-IN" sz="2000" i="1" dirty="0"/>
-              <a:t>based on earlier studies</a:t>
-            </a:r>
-          </a:p>
-          <a:p>
-            <a:pPr marL="514350" indent="-514350">
-              <a:buFont typeface="+mj-lt"/>
-              <a:buAutoNum type="arabicPeriod"/>
-            </a:pPr>
-            <a:r>
-              <a:rPr lang="en-IN" dirty="0"/>
-              <a:t>Testability – </a:t>
-            </a:r>
-            <a:r>
-              <a:rPr lang="en-IN" sz="2000" i="1" dirty="0"/>
-              <a:t>empirically testable</a:t>
-            </a:r>
-          </a:p>
-          <a:p>
-            <a:pPr marL="514350" indent="-514350">
-              <a:buFont typeface="+mj-lt"/>
-              <a:buAutoNum type="arabicPeriod"/>
-            </a:pPr>
-            <a:r>
-              <a:rPr lang="en-IN" dirty="0"/>
-              <a:t>Invariability – </a:t>
-            </a:r>
-            <a:r>
-              <a:rPr lang="en-IN" sz="2000" i="1" dirty="0"/>
-              <a:t>over time</a:t>
-            </a:r>
-          </a:p>
-          <a:p>
-            <a:pPr marL="514350" indent="-514350">
-              <a:buFont typeface="+mj-lt"/>
-              <a:buAutoNum type="arabicPeriod"/>
-            </a:pPr>
-            <a:r>
-              <a:rPr lang="en-IN" dirty="0"/>
-              <a:t>Causality or correlation- </a:t>
-            </a:r>
-            <a:r>
-              <a:rPr lang="en-US" sz="2000" i="1" dirty="0"/>
-              <a:t>states a relationship that is causal in </a:t>
-            </a:r>
-            <a:r>
-              <a:rPr lang="en-IN" sz="2000" i="1" dirty="0"/>
-              <a:t>nature or correlational</a:t>
-            </a:r>
-          </a:p>
-        </p:txBody>
-      </p:sp>
-    </p:spTree>
-    <p:extLst>
-      <p:ext uri="{BB962C8B-B14F-4D97-AF65-F5344CB8AC3E}">
-        <p14:creationId xmlns:p14="http://schemas.microsoft.com/office/powerpoint/2010/main" val="3088918172"/>
-      </p:ext>
-    </p:extLst>
-  </p:cSld>
-  <p:clrMapOvr>
-    <a:masterClrMapping/>
-  </p:clrMapOvr>
-  <p:timing>
-    <p:tnLst>
-      <p:par>
-        <p:cTn id="1" dur="indefinite" restart="never" nodeType="tmRoot">
-          <p:childTnLst>
-            <p:seq concurrent="1" nextAc="seek">
-              <p:cTn id="2" dur="indefinite" nodeType="mainSeq">
-                <p:childTnLst>
-                  <p:par>
-                    <p:cTn id="3" fill="hold">
-                      <p:stCondLst>
-                        <p:cond delay="indefinite"/>
-                      </p:stCondLst>
-                      <p:childTnLst>
-                        <p:par>
-                          <p:cTn id="4" fill="hold">
-                            <p:stCondLst>
-                              <p:cond delay="0"/>
-                            </p:stCondLst>
-                            <p:childTnLst>
-                              <p:par>
-                                <p:cTn id="5" presetID="1" presetClass="entr" presetSubtype="0" fill="hold" grpId="0" nodeType="clickEffect">
-                                  <p:stCondLst>
-                                    <p:cond delay="0"/>
-                                  </p:stCondLst>
-                                  <p:childTnLst>
-                                    <p:set>
-                                      <p:cBhvr>
-                                        <p:cTn id="6" dur="1" fill="hold">
-                                          <p:stCondLst>
-                                            <p:cond delay="0"/>
-                                          </p:stCondLst>
-                                        </p:cTn>
-                                        <p:tgtEl>
-                                          <p:spTgt spid="3">
-                                            <p:txEl>
-                                              <p:pRg st="0" end="0"/>
-                                            </p:txEl>
-                                          </p:spTgt>
-                                        </p:tgtEl>
-                                        <p:attrNameLst>
-                                          <p:attrName>style.visibility</p:attrName>
-                                        </p:attrNameLst>
-                                      </p:cBhvr>
-                                      <p:to>
-                                        <p:strVal val="visible"/>
-                                      </p:to>
-                                    </p:set>
-                                  </p:childTnLst>
-                                </p:cTn>
-                              </p:par>
-                            </p:childTnLst>
-                          </p:cTn>
-                        </p:par>
-                      </p:childTnLst>
-                    </p:cTn>
-                  </p:par>
-                  <p:par>
-                    <p:cTn id="7" fill="hold">
-                      <p:stCondLst>
-                        <p:cond delay="indefinite"/>
-                      </p:stCondLst>
-                      <p:childTnLst>
-                        <p:par>
-                          <p:cTn id="8" fill="hold">
-                            <p:stCondLst>
-                              <p:cond delay="0"/>
-                            </p:stCondLst>
-                            <p:childTnLst>
-                              <p:par>
-                                <p:cTn id="9" presetID="1" presetClass="entr" presetSubtype="0" fill="hold" grpId="0" nodeType="clickEffect">
-                                  <p:stCondLst>
-                                    <p:cond delay="0"/>
-                                  </p:stCondLst>
-                                  <p:childTnLst>
-                                    <p:set>
-                                      <p:cBhvr>
-                                        <p:cTn id="10" dur="1" fill="hold">
-                                          <p:stCondLst>
-                                            <p:cond delay="0"/>
-                                          </p:stCondLst>
-                                        </p:cTn>
-                                        <p:tgtEl>
-                                          <p:spTgt spid="3">
-                                            <p:txEl>
-                                              <p:pRg st="1" end="1"/>
-                                            </p:txEl>
-                                          </p:spTgt>
-                                        </p:tgtEl>
-                                        <p:attrNameLst>
-                                          <p:attrName>style.visibility</p:attrName>
-                                        </p:attrNameLst>
-                                      </p:cBhvr>
-                                      <p:to>
-                                        <p:strVal val="visible"/>
-                                      </p:to>
-                                    </p:set>
-                                  </p:childTnLst>
-                                </p:cTn>
-                              </p:par>
-                            </p:childTnLst>
-                          </p:cTn>
-                        </p:par>
-                      </p:childTnLst>
-                    </p:cTn>
-                  </p:par>
-                  <p:par>
-                    <p:cTn id="11" fill="hold">
-                      <p:stCondLst>
-                        <p:cond delay="indefinite"/>
-                      </p:stCondLst>
-                      <p:childTnLst>
-                        <p:par>
-                          <p:cTn id="12" fill="hold">
-                            <p:stCondLst>
-                              <p:cond delay="0"/>
-                            </p:stCondLst>
-                            <p:childTnLst>
-                              <p:par>
-                                <p:cTn id="13" presetID="1" presetClass="entr" presetSubtype="0" fill="hold" grpId="0" nodeType="clickEffect">
-                                  <p:stCondLst>
-                                    <p:cond delay="0"/>
-                                  </p:stCondLst>
-                                  <p:childTnLst>
-                                    <p:set>
-                                      <p:cBhvr>
-                                        <p:cTn id="14" dur="1" fill="hold">
-                                          <p:stCondLst>
-                                            <p:cond delay="0"/>
-                                          </p:stCondLst>
-                                        </p:cTn>
-                                        <p:tgtEl>
-                                          <p:spTgt spid="3">
-                                            <p:txEl>
-                                              <p:pRg st="2" end="2"/>
-                                            </p:txEl>
-                                          </p:spTgt>
-                                        </p:tgtEl>
-                                        <p:attrNameLst>
-                                          <p:attrName>style.visibility</p:attrName>
-                                        </p:attrNameLst>
-                                      </p:cBhvr>
-                                      <p:to>
-                                        <p:strVal val="visible"/>
-                                      </p:to>
-                                    </p:set>
-                                  </p:childTnLst>
-                                </p:cTn>
-                              </p:par>
-                            </p:childTnLst>
-                          </p:cTn>
-                        </p:par>
-                      </p:childTnLst>
-                    </p:cTn>
-                  </p:par>
-                  <p:par>
-                    <p:cTn id="15" fill="hold">
-                      <p:stCondLst>
-                        <p:cond delay="indefinite"/>
-                      </p:stCondLst>
-                      <p:childTnLst>
-                        <p:par>
-                          <p:cTn id="16" fill="hold">
-                            <p:stCondLst>
-                              <p:cond delay="0"/>
-                            </p:stCondLst>
-                            <p:childTnLst>
-                              <p:par>
-                                <p:cTn id="17" presetID="1" presetClass="entr" presetSubtype="0" fill="hold" grpId="0" nodeType="clickEffect">
-                                  <p:stCondLst>
-                                    <p:cond delay="0"/>
-                                  </p:stCondLst>
-                                  <p:childTnLst>
-                                    <p:set>
-                                      <p:cBhvr>
-                                        <p:cTn id="18" dur="1" fill="hold">
-                                          <p:stCondLst>
-                                            <p:cond delay="0"/>
-                                          </p:stCondLst>
-                                        </p:cTn>
-                                        <p:tgtEl>
-                                          <p:spTgt spid="3">
-                                            <p:txEl>
-                                              <p:pRg st="3" end="3"/>
-                                            </p:txEl>
-                                          </p:spTgt>
-                                        </p:tgtEl>
-                                        <p:attrNameLst>
-                                          <p:attrName>style.visibility</p:attrName>
-                                        </p:attrNameLst>
-                                      </p:cBhvr>
-                                      <p:to>
-                                        <p:strVal val="visible"/>
-                                      </p:to>
-                                    </p:set>
-                                  </p:childTnLst>
-                                </p:cTn>
-                              </p:par>
-                            </p:childTnLst>
-                          </p:cTn>
-                        </p:par>
-                      </p:childTnLst>
-                    </p:cTn>
-                  </p:par>
-                  <p:par>
-                    <p:cTn id="19" fill="hold">
-                      <p:stCondLst>
-                        <p:cond delay="indefinite"/>
-                      </p:stCondLst>
-                      <p:childTnLst>
-                        <p:par>
-                          <p:cTn id="20" fill="hold">
-                            <p:stCondLst>
-                              <p:cond delay="0"/>
-                            </p:stCondLst>
-                            <p:childTnLst>
-                              <p:par>
-                                <p:cTn id="21" presetID="1" presetClass="entr" presetSubtype="0" fill="hold" grpId="0" nodeType="clickEffect">
-                                  <p:stCondLst>
-                                    <p:cond delay="0"/>
-                                  </p:stCondLst>
-                                  <p:childTnLst>
-                                    <p:set>
-                                      <p:cBhvr>
-                                        <p:cTn id="22" dur="1" fill="hold">
-                                          <p:stCondLst>
-                                            <p:cond delay="0"/>
-                                          </p:stCondLst>
-                                        </p:cTn>
-                                        <p:tgtEl>
-                                          <p:spTgt spid="3">
-                                            <p:txEl>
-                                              <p:pRg st="4" end="4"/>
-                                            </p:txEl>
-                                          </p:spTgt>
-                                        </p:tgtEl>
-                                        <p:attrNameLst>
-                                          <p:attrName>style.visibility</p:attrName>
-                                        </p:attrNameLst>
-                                      </p:cBhvr>
-                                      <p:to>
-                                        <p:strVal val="visible"/>
-                                      </p:to>
-                                    </p:set>
-                                  </p:childTnLst>
-                                </p:cTn>
-                              </p:par>
-                            </p:childTnLst>
-                          </p:cTn>
-                        </p:par>
-                      </p:childTnLst>
-                    </p:cTn>
-                  </p:par>
-                </p:childTnLst>
-              </p:cTn>
-              <p:prevCondLst>
-                <p:cond evt="onPrev" delay="0">
-                  <p:tgtEl>
-                    <p:sldTgt/>
-                  </p:tgtEl>
-                </p:cond>
-              </p:prevCondLst>
-              <p:nextCondLst>
-                <p:cond evt="onNext" delay="0">
-                  <p:tgtEl>
-                    <p:sldTgt/>
-                  </p:tgtEl>
-                </p:cond>
-              </p:nextCondLst>
-            </p:seq>
-          </p:childTnLst>
-        </p:cTn>
-      </p:par>
-    </p:tnLst>
-    <p:bldLst>
-      <p:bldP spid="3" grpId="0" build="p"/>
-    </p:bldLst>
-  </p:timing>
-</p:sld>
-</file>
-
 <file path=ppt/theme/theme1.xml><?xml version="1.0" encoding="utf-8"?>
 <a:theme xmlns:a="http://schemas.openxmlformats.org/drawingml/2006/main" name="Office Theme">
   <a:themeElements>

--- a/Research Process-part-2.pptx
+++ b/Research Process-part-2.pptx
@@ -278,7 +278,7 @@
           <a:p>
             <a:fld id="{4D130150-D81E-4489-8164-B3788FDA5BAD}" type="datetimeFigureOut">
               <a:rPr lang="en-IN" smtClean="0"/>
-              <a:t>23-08-2018</a:t>
+              <a:t>27-08-2018</a:t>
             </a:fld>
             <a:endParaRPr lang="en-IN"/>
           </a:p>
@@ -478,7 +478,7 @@
           <a:p>
             <a:fld id="{4D130150-D81E-4489-8164-B3788FDA5BAD}" type="datetimeFigureOut">
               <a:rPr lang="en-IN" smtClean="0"/>
-              <a:t>23-08-2018</a:t>
+              <a:t>27-08-2018</a:t>
             </a:fld>
             <a:endParaRPr lang="en-IN"/>
           </a:p>
@@ -688,7 +688,7 @@
           <a:p>
             <a:fld id="{4D130150-D81E-4489-8164-B3788FDA5BAD}" type="datetimeFigureOut">
               <a:rPr lang="en-IN" smtClean="0"/>
-              <a:t>23-08-2018</a:t>
+              <a:t>27-08-2018</a:t>
             </a:fld>
             <a:endParaRPr lang="en-IN"/>
           </a:p>
@@ -888,7 +888,7 @@
           <a:p>
             <a:fld id="{4D130150-D81E-4489-8164-B3788FDA5BAD}" type="datetimeFigureOut">
               <a:rPr lang="en-IN" smtClean="0"/>
-              <a:t>23-08-2018</a:t>
+              <a:t>27-08-2018</a:t>
             </a:fld>
             <a:endParaRPr lang="en-IN"/>
           </a:p>
@@ -1164,7 +1164,7 @@
           <a:p>
             <a:fld id="{4D130150-D81E-4489-8164-B3788FDA5BAD}" type="datetimeFigureOut">
               <a:rPr lang="en-IN" smtClean="0"/>
-              <a:t>23-08-2018</a:t>
+              <a:t>27-08-2018</a:t>
             </a:fld>
             <a:endParaRPr lang="en-IN"/>
           </a:p>
@@ -1432,7 +1432,7 @@
           <a:p>
             <a:fld id="{4D130150-D81E-4489-8164-B3788FDA5BAD}" type="datetimeFigureOut">
               <a:rPr lang="en-IN" smtClean="0"/>
-              <a:t>23-08-2018</a:t>
+              <a:t>27-08-2018</a:t>
             </a:fld>
             <a:endParaRPr lang="en-IN"/>
           </a:p>
@@ -1847,7 +1847,7 @@
           <a:p>
             <a:fld id="{4D130150-D81E-4489-8164-B3788FDA5BAD}" type="datetimeFigureOut">
               <a:rPr lang="en-IN" smtClean="0"/>
-              <a:t>23-08-2018</a:t>
+              <a:t>27-08-2018</a:t>
             </a:fld>
             <a:endParaRPr lang="en-IN"/>
           </a:p>
@@ -1989,7 +1989,7 @@
           <a:p>
             <a:fld id="{4D130150-D81E-4489-8164-B3788FDA5BAD}" type="datetimeFigureOut">
               <a:rPr lang="en-IN" smtClean="0"/>
-              <a:t>23-08-2018</a:t>
+              <a:t>27-08-2018</a:t>
             </a:fld>
             <a:endParaRPr lang="en-IN"/>
           </a:p>
@@ -2102,7 +2102,7 @@
           <a:p>
             <a:fld id="{4D130150-D81E-4489-8164-B3788FDA5BAD}" type="datetimeFigureOut">
               <a:rPr lang="en-IN" smtClean="0"/>
-              <a:t>23-08-2018</a:t>
+              <a:t>27-08-2018</a:t>
             </a:fld>
             <a:endParaRPr lang="en-IN"/>
           </a:p>
@@ -2415,7 +2415,7 @@
           <a:p>
             <a:fld id="{4D130150-D81E-4489-8164-B3788FDA5BAD}" type="datetimeFigureOut">
               <a:rPr lang="en-IN" smtClean="0"/>
-              <a:t>23-08-2018</a:t>
+              <a:t>27-08-2018</a:t>
             </a:fld>
             <a:endParaRPr lang="en-IN"/>
           </a:p>
@@ -2704,7 +2704,7 @@
           <a:p>
             <a:fld id="{4D130150-D81E-4489-8164-B3788FDA5BAD}" type="datetimeFigureOut">
               <a:rPr lang="en-IN" smtClean="0"/>
-              <a:t>23-08-2018</a:t>
+              <a:t>27-08-2018</a:t>
             </a:fld>
             <a:endParaRPr lang="en-IN"/>
           </a:p>
@@ -2947,7 +2947,7 @@
           <a:p>
             <a:fld id="{4D130150-D81E-4489-8164-B3788FDA5BAD}" type="datetimeFigureOut">
               <a:rPr lang="en-IN" smtClean="0"/>
-              <a:t>23-08-2018</a:t>
+              <a:t>27-08-2018</a:t>
             </a:fld>
             <a:endParaRPr lang="en-IN"/>
           </a:p>
@@ -4424,10 +4424,68 @@
           <a:bodyPr/>
           <a:lstStyle/>
           <a:p>
-            <a:endParaRPr lang="en-IN"/>
-          </a:p>
-        </p:txBody>
-      </p:sp>
+            <a:r>
+              <a:rPr lang="en-IN" dirty="0"/>
+              <a:t>If there are concepts in the study, one has to perform the operationalisation. </a:t>
+            </a:r>
+          </a:p>
+          <a:p>
+            <a:r>
+              <a:rPr lang="en-IN" dirty="0"/>
+              <a:t>To do so, one has to first find out the indicators – </a:t>
+            </a:r>
+            <a:r>
+              <a:rPr lang="en-IN" i="1" dirty="0"/>
+              <a:t>a set of criteria reflective of the concept which can then be converted into variables</a:t>
+            </a:r>
+            <a:r>
+              <a:rPr lang="en-IN" dirty="0"/>
+              <a:t>.</a:t>
+            </a:r>
+          </a:p>
+          <a:p>
+            <a:r>
+              <a:rPr lang="en-IN" dirty="0"/>
+              <a:t>Concept   &gt;&gt;  Indicators  &gt;&gt; Variables </a:t>
+            </a:r>
+          </a:p>
+          <a:p>
+            <a:endParaRPr lang="en-IN" dirty="0"/>
+          </a:p>
+          <a:p>
+            <a:endParaRPr lang="en-IN" dirty="0"/>
+          </a:p>
+        </p:txBody>
+      </p:sp>
+      <p:pic>
+        <p:nvPicPr>
+          <p:cNvPr id="4" name="Picture 3">
+            <a:extLst>
+              <a:ext uri="{FF2B5EF4-FFF2-40B4-BE49-F238E27FC236}">
+                <a16:creationId xmlns:a16="http://schemas.microsoft.com/office/drawing/2014/main" id="{A733B7BE-14C3-4466-86A6-CDBF258FD82F}"/>
+              </a:ext>
+            </a:extLst>
+          </p:cNvPr>
+          <p:cNvPicPr>
+            <a:picLocks noChangeAspect="1"/>
+          </p:cNvPicPr>
+          <p:nvPr/>
+        </p:nvPicPr>
+        <p:blipFill rotWithShape="1">
+          <a:blip r:embed="rId2"/>
+          <a:srcRect l="27680" t="41176" r="30458" b="16706"/>
+          <a:stretch/>
+        </p:blipFill>
+        <p:spPr>
+          <a:xfrm>
+            <a:off x="1355463" y="4001294"/>
+            <a:ext cx="6648226" cy="2888429"/>
+          </a:xfrm>
+          <a:prstGeom prst="rect">
+            <a:avLst/>
+          </a:prstGeom>
+        </p:spPr>
+      </p:pic>
     </p:spTree>
     <p:extLst>
       <p:ext uri="{BB962C8B-B14F-4D97-AF65-F5344CB8AC3E}">
